--- a/Documentacao/Apresentação.pptx
+++ b/Documentacao/Apresentação.pptx
@@ -8,10 +8,12 @@
     <p:sldId id="256" r:id="rId2"/>
     <p:sldId id="257" r:id="rId3"/>
     <p:sldId id="259" r:id="rId4"/>
-    <p:sldId id="260" r:id="rId5"/>
-    <p:sldId id="261" r:id="rId6"/>
-    <p:sldId id="262" r:id="rId7"/>
-    <p:sldId id="263" r:id="rId8"/>
+    <p:sldId id="264" r:id="rId5"/>
+    <p:sldId id="265" r:id="rId6"/>
+    <p:sldId id="260" r:id="rId7"/>
+    <p:sldId id="261" r:id="rId8"/>
+    <p:sldId id="262" r:id="rId9"/>
+    <p:sldId id="263" r:id="rId10"/>
   </p:sldIdLst>
   <p:sldSz cx="12192000" cy="6858000"/>
   <p:notesSz cx="6858000" cy="9144000"/>
@@ -110,6 +112,11 @@
       </a:defRPr>
     </a:lvl9pPr>
   </p:defaultTextStyle>
+  <p:extLst>
+    <p:ext uri="{EFAFB233-063F-42B5-8137-9DF3F51BA10A}">
+      <p15:sldGuideLst xmlns:p15="http://schemas.microsoft.com/office/powerpoint/2012/main"/>
+    </p:ext>
+  </p:extLst>
 </p:presentation>
 </file>
 
@@ -343,7 +350,7 @@
           <a:p>
             <a:fld id="{4BDF68E2-58F2-4D09-BE8B-E3BD06533059}" type="datetimeFigureOut">
               <a:rPr lang="en-US" dirty="0"/>
-              <a:t>7/18/2017</a:t>
+              <a:t>7/19/2017</a:t>
             </a:fld>
             <a:endParaRPr lang="en-US" dirty="0"/>
           </a:p>
@@ -546,7 +553,7 @@
           <a:p>
             <a:fld id="{2E2D6473-DF6D-4702-B328-E0DD40540A4E}" type="datetimeFigureOut">
               <a:rPr lang="en-US" dirty="0"/>
-              <a:t>7/18/2017</a:t>
+              <a:t>7/19/2017</a:t>
             </a:fld>
             <a:endParaRPr lang="en-US" dirty="0"/>
           </a:p>
@@ -797,7 +804,7 @@
           <a:p>
             <a:fld id="{E26F7E3A-B166-407D-9866-32884E7D5B37}" type="datetimeFigureOut">
               <a:rPr lang="en-US" dirty="0"/>
-              <a:t>7/18/2017</a:t>
+              <a:t>7/19/2017</a:t>
             </a:fld>
             <a:endParaRPr lang="en-US" dirty="0"/>
           </a:p>
@@ -966,7 +973,7 @@
           <a:p>
             <a:fld id="{528FC5F6-F338-4AE4-BB23-26385BCFC423}" type="datetimeFigureOut">
               <a:rPr lang="en-US" dirty="0"/>
-              <a:t>7/18/2017</a:t>
+              <a:t>7/19/2017</a:t>
             </a:fld>
             <a:endParaRPr lang="en-US" dirty="0"/>
           </a:p>
@@ -1304,7 +1311,7 @@
           <a:p>
             <a:fld id="{20EBB0C4-6273-4C6E-B9BD-2EDC30F1CD52}" type="datetimeFigureOut">
               <a:rPr lang="en-US" dirty="0"/>
-              <a:t>7/18/2017</a:t>
+              <a:t>7/19/2017</a:t>
             </a:fld>
             <a:endParaRPr lang="en-US" dirty="0"/>
           </a:p>
@@ -1574,7 +1581,7 @@
           <a:p>
             <a:fld id="{19AB4D41-86C1-4908-B66A-0B50CEB3BF29}" type="datetimeFigureOut">
               <a:rPr lang="en-US" dirty="0"/>
-              <a:t>7/18/2017</a:t>
+              <a:t>7/19/2017</a:t>
             </a:fld>
             <a:endParaRPr lang="en-US" dirty="0"/>
           </a:p>
@@ -1948,7 +1955,7 @@
           <a:p>
             <a:fld id="{E6426E2C-56C1-4E0D-A793-0088A7FDD37E}" type="datetimeFigureOut">
               <a:rPr lang="en-US" dirty="0"/>
-              <a:t>7/18/2017</a:t>
+              <a:t>7/19/2017</a:t>
             </a:fld>
             <a:endParaRPr lang="en-US" dirty="0"/>
           </a:p>
@@ -2061,7 +2068,7 @@
           <a:p>
             <a:fld id="{C8C39B41-D8B5-4052-B551-9B5525EAA8B6}" type="datetimeFigureOut">
               <a:rPr lang="en-US" dirty="0"/>
-              <a:t>7/18/2017</a:t>
+              <a:t>7/19/2017</a:t>
             </a:fld>
             <a:endParaRPr lang="en-US" dirty="0"/>
           </a:p>
@@ -2227,7 +2234,7 @@
           <a:p>
             <a:fld id="{4D94136C-8742-45B2-AF27-D93DF72833A9}" type="datetimeFigureOut">
               <a:rPr lang="en-US" dirty="0"/>
-              <a:t>7/18/2017</a:t>
+              <a:t>7/19/2017</a:t>
             </a:fld>
             <a:endParaRPr lang="en-US" dirty="0"/>
           </a:p>
@@ -2577,7 +2584,7 @@
           <a:p>
             <a:fld id="{32ABBEA6-7C60-4B02-AE87-00D78D8422AF}" type="datetimeFigureOut">
               <a:rPr lang="en-US" dirty="0"/>
-              <a:t>7/18/2017</a:t>
+              <a:t>7/19/2017</a:t>
             </a:fld>
             <a:endParaRPr lang="en-US" dirty="0"/>
           </a:p>
@@ -2955,7 +2962,7 @@
           <a:p>
             <a:fld id="{C9CAD897-D46E-4AD2-BD9B-49DD3E640873}" type="datetimeFigureOut">
               <a:rPr lang="en-US" dirty="0"/>
-              <a:t>7/18/2017</a:t>
+              <a:t>7/19/2017</a:t>
             </a:fld>
             <a:endParaRPr lang="en-US" dirty="0"/>
           </a:p>
@@ -3237,7 +3244,7 @@
           <a:p>
             <a:fld id="{98624D31-43A5-475A-80CF-332C9F6DCF35}" type="datetimeFigureOut">
               <a:rPr lang="en-US" dirty="0"/>
-              <a:t>7/18/2017</a:t>
+              <a:t>7/19/2017</a:t>
             </a:fld>
             <a:endParaRPr lang="en-US" dirty="0"/>
           </a:p>
@@ -3921,6 +3928,16 @@
             </a:pPr>
             <a:r>
               <a:rPr lang="pt-BR" dirty="0"/>
+              <a:t> Tecnologias</a:t>
+            </a:r>
+          </a:p>
+          <a:p>
+            <a:pPr>
+              <a:buFont typeface="Wingdings" panose="05000000000000000000" pitchFamily="2" charset="2"/>
+              <a:buChar char="§"/>
+            </a:pPr>
+            <a:r>
+              <a:rPr lang="pt-BR" dirty="0"/>
               <a:t>  Arquitetura</a:t>
             </a:r>
           </a:p>
@@ -4185,6 +4202,353 @@
           <a:p>
             <a:r>
               <a:rPr lang="pt-BR" dirty="0"/>
+              <a:t>Tecnologias</a:t>
+            </a:r>
+          </a:p>
+        </p:txBody>
+      </p:sp>
+      <p:sp>
+        <p:nvSpPr>
+          <p:cNvPr id="3" name="Espaço Reservado para Conteúdo 2">
+            <a:extLst>
+              <a:ext uri="{FF2B5EF4-FFF2-40B4-BE49-F238E27FC236}">
+                <a16:creationId xmlns:a16="http://schemas.microsoft.com/office/drawing/2014/main" id="{513AB98B-0F44-4F1A-91DC-B87516D566AB}"/>
+              </a:ext>
+            </a:extLst>
+          </p:cNvPr>
+          <p:cNvSpPr>
+            <a:spLocks noGrp="1"/>
+          </p:cNvSpPr>
+          <p:nvPr>
+            <p:ph idx="1"/>
+          </p:nvPr>
+        </p:nvSpPr>
+        <p:spPr>
+          <a:xfrm>
+            <a:off x="1097280" y="1737360"/>
+            <a:ext cx="10058400" cy="4023360"/>
+          </a:xfrm>
+        </p:spPr>
+        <p:txBody>
+          <a:bodyPr>
+            <a:normAutofit/>
+          </a:bodyPr>
+          <a:lstStyle/>
+          <a:p>
+            <a:pPr lvl="0"/>
+            <a:r>
+              <a:rPr lang="pt-BR" b="1" dirty="0"/>
+              <a:t>Linguagem: </a:t>
+            </a:r>
+            <a:r>
+              <a:rPr lang="pt-BR" dirty="0"/>
+              <a:t>linguagem utilizada para a criação do sistema</a:t>
+            </a:r>
+            <a:endParaRPr lang="pt-BR" sz="1800" dirty="0"/>
+          </a:p>
+          <a:p>
+            <a:pPr lvl="1"/>
+            <a:r>
+              <a:rPr lang="pt-BR" b="1" dirty="0"/>
+              <a:t>Android:  </a:t>
+            </a:r>
+            <a:r>
+              <a:rPr lang="pt-BR" dirty="0"/>
+              <a:t>Java</a:t>
+            </a:r>
+            <a:r>
+              <a:rPr lang="pt-BR" b="1" dirty="0"/>
+              <a:t> </a:t>
+            </a:r>
+            <a:r>
+              <a:rPr lang="pt-BR" dirty="0"/>
+              <a:t>8</a:t>
+            </a:r>
+            <a:endParaRPr lang="pt-BR" sz="1600" dirty="0"/>
+          </a:p>
+          <a:p>
+            <a:pPr lvl="1"/>
+            <a:r>
+              <a:rPr lang="pt-BR" b="1" dirty="0"/>
+              <a:t>Site: </a:t>
+            </a:r>
+            <a:r>
+              <a:rPr lang="pt-BR" dirty="0"/>
+              <a:t>Java 8</a:t>
+            </a:r>
+            <a:r>
+              <a:rPr lang="pt-BR" b="1" dirty="0"/>
+              <a:t> </a:t>
+            </a:r>
+            <a:endParaRPr lang="pt-BR" sz="1800" dirty="0"/>
+          </a:p>
+          <a:p>
+            <a:pPr lvl="0"/>
+            <a:r>
+              <a:rPr lang="pt-BR" b="1" dirty="0"/>
+              <a:t>Estilo do webservice: </a:t>
+            </a:r>
+            <a:r>
+              <a:rPr lang="pt-BR" dirty="0"/>
+              <a:t>REST</a:t>
+            </a:r>
+            <a:endParaRPr lang="pt-BR" sz="1600" dirty="0"/>
+          </a:p>
+          <a:p>
+            <a:r>
+              <a:rPr lang="pt-BR" dirty="0"/>
+              <a:t> </a:t>
+            </a:r>
+            <a:r>
+              <a:rPr lang="pt-BR" b="1" dirty="0"/>
+              <a:t>Biblioteca para webservice: </a:t>
+            </a:r>
+            <a:r>
+              <a:rPr lang="pt-BR" dirty="0"/>
+              <a:t>descreve as bibliotecas que serão utilizada para criar e consumir o webservice.</a:t>
+            </a:r>
+            <a:endParaRPr lang="pt-BR" sz="1800" dirty="0"/>
+          </a:p>
+          <a:p>
+            <a:pPr lvl="1"/>
+            <a:r>
+              <a:rPr lang="pt-BR" b="1" dirty="0"/>
+              <a:t>Site: </a:t>
+            </a:r>
+            <a:r>
+              <a:rPr lang="pt-BR" dirty="0"/>
+              <a:t>para a criação do webservice será utilizada a biblioteca Jersey</a:t>
+            </a:r>
+            <a:endParaRPr lang="pt-BR" sz="1600" dirty="0"/>
+          </a:p>
+          <a:p>
+            <a:pPr lvl="1"/>
+            <a:r>
+              <a:rPr lang="pt-BR" b="1" dirty="0"/>
+              <a:t>Android: </a:t>
+            </a:r>
+            <a:r>
+              <a:rPr lang="pt-BR" dirty="0"/>
+              <a:t>para consumir o webservice será utilizada a biblioteca </a:t>
+            </a:r>
+            <a:r>
+              <a:rPr lang="pt-BR" dirty="0" err="1"/>
+              <a:t>Retrofit</a:t>
+            </a:r>
+            <a:r>
+              <a:rPr lang="pt-BR" dirty="0"/>
+              <a:t>;</a:t>
+            </a:r>
+            <a:endParaRPr lang="pt-BR" sz="1600" dirty="0"/>
+          </a:p>
+          <a:p>
+            <a:pPr marL="0" indent="0">
+              <a:buNone/>
+            </a:pPr>
+            <a:r>
+              <a:rPr lang="pt-BR" b="1" dirty="0"/>
+              <a:t> Padrão comunicação webservice: </a:t>
+            </a:r>
+            <a:r>
+              <a:rPr lang="pt-BR" dirty="0"/>
+              <a:t>JSON</a:t>
+            </a:r>
+          </a:p>
+          <a:p>
+            <a:pPr marL="0" indent="0">
+              <a:buNone/>
+            </a:pPr>
+            <a:r>
+              <a:rPr lang="pt-BR" b="1" dirty="0"/>
+              <a:t> Framework web:  </a:t>
+            </a:r>
+            <a:r>
+              <a:rPr lang="pt-BR" dirty="0"/>
+              <a:t>JSF 2.2</a:t>
+            </a:r>
+          </a:p>
+        </p:txBody>
+      </p:sp>
+    </p:spTree>
+    <p:extLst>
+      <p:ext uri="{BB962C8B-B14F-4D97-AF65-F5344CB8AC3E}">
+        <p14:creationId xmlns:p14="http://schemas.microsoft.com/office/powerpoint/2010/main" val="147008500"/>
+      </p:ext>
+    </p:extLst>
+  </p:cSld>
+  <p:clrMapOvr>
+    <a:masterClrMapping/>
+  </p:clrMapOvr>
+</p:sld>
+</file>
+
+<file path=ppt/slides/slide5.xml><?xml version="1.0" encoding="utf-8"?>
+<p:sld xmlns:a="http://schemas.openxmlformats.org/drawingml/2006/main" xmlns:r="http://schemas.openxmlformats.org/officeDocument/2006/relationships" xmlns:p="http://schemas.openxmlformats.org/presentationml/2006/main">
+  <p:cSld>
+    <p:spTree>
+      <p:nvGrpSpPr>
+        <p:cNvPr id="1" name=""/>
+        <p:cNvGrpSpPr/>
+        <p:nvPr/>
+      </p:nvGrpSpPr>
+      <p:grpSpPr>
+        <a:xfrm>
+          <a:off x="0" y="0"/>
+          <a:ext cx="0" cy="0"/>
+          <a:chOff x="0" y="0"/>
+          <a:chExt cx="0" cy="0"/>
+        </a:xfrm>
+      </p:grpSpPr>
+      <p:sp>
+        <p:nvSpPr>
+          <p:cNvPr id="2" name="Título 1">
+            <a:extLst>
+              <a:ext uri="{FF2B5EF4-FFF2-40B4-BE49-F238E27FC236}">
+                <a16:creationId xmlns:a16="http://schemas.microsoft.com/office/drawing/2014/main" id="{D75BC9C6-4E63-4EAD-9CCE-25F0A1F24C9A}"/>
+              </a:ext>
+            </a:extLst>
+          </p:cNvPr>
+          <p:cNvSpPr>
+            <a:spLocks noGrp="1"/>
+          </p:cNvSpPr>
+          <p:nvPr>
+            <p:ph type="title"/>
+          </p:nvPr>
+        </p:nvSpPr>
+        <p:spPr/>
+        <p:txBody>
+          <a:bodyPr/>
+          <a:lstStyle/>
+          <a:p>
+            <a:r>
+              <a:rPr lang="pt-BR" dirty="0"/>
+              <a:t>Tecnologias</a:t>
+            </a:r>
+          </a:p>
+        </p:txBody>
+      </p:sp>
+      <p:sp>
+        <p:nvSpPr>
+          <p:cNvPr id="3" name="Espaço Reservado para Conteúdo 2">
+            <a:extLst>
+              <a:ext uri="{FF2B5EF4-FFF2-40B4-BE49-F238E27FC236}">
+                <a16:creationId xmlns:a16="http://schemas.microsoft.com/office/drawing/2014/main" id="{513AB98B-0F44-4F1A-91DC-B87516D566AB}"/>
+              </a:ext>
+            </a:extLst>
+          </p:cNvPr>
+          <p:cNvSpPr>
+            <a:spLocks noGrp="1"/>
+          </p:cNvSpPr>
+          <p:nvPr>
+            <p:ph idx="1"/>
+          </p:nvPr>
+        </p:nvSpPr>
+        <p:spPr>
+          <a:xfrm>
+            <a:off x="1097280" y="1737360"/>
+            <a:ext cx="10058400" cy="4023360"/>
+          </a:xfrm>
+        </p:spPr>
+        <p:txBody>
+          <a:bodyPr>
+            <a:normAutofit/>
+          </a:bodyPr>
+          <a:lstStyle/>
+          <a:p>
+            <a:pPr lvl="0"/>
+            <a:r>
+              <a:rPr lang="pt-BR" b="1" dirty="0"/>
+              <a:t>Banco de Dados: </a:t>
+            </a:r>
+            <a:r>
+              <a:rPr lang="pt-BR" dirty="0"/>
+              <a:t>banco de dados para persistência dos dados.</a:t>
+            </a:r>
+            <a:endParaRPr lang="pt-BR" sz="1800" dirty="0"/>
+          </a:p>
+          <a:p>
+            <a:pPr lvl="1"/>
+            <a:r>
+              <a:rPr lang="pt-BR" b="1" dirty="0"/>
+              <a:t>Site: </a:t>
+            </a:r>
+            <a:r>
+              <a:rPr lang="pt-BR" dirty="0"/>
+              <a:t>PostgreSQL 9.3</a:t>
+            </a:r>
+            <a:endParaRPr lang="pt-BR" sz="1600" dirty="0"/>
+          </a:p>
+          <a:p>
+            <a:pPr lvl="1"/>
+            <a:r>
+              <a:rPr lang="pt-BR" b="1" dirty="0"/>
+              <a:t>Android: </a:t>
+            </a:r>
+            <a:r>
+              <a:rPr lang="pt-BR" dirty="0" err="1"/>
+              <a:t>SQLite</a:t>
+            </a:r>
+            <a:endParaRPr lang="pt-BR" sz="1600" dirty="0"/>
+          </a:p>
+          <a:p>
+            <a:pPr lvl="0"/>
+            <a:endParaRPr lang="pt-BR" dirty="0"/>
+          </a:p>
+        </p:txBody>
+      </p:sp>
+    </p:spTree>
+    <p:extLst>
+      <p:ext uri="{BB962C8B-B14F-4D97-AF65-F5344CB8AC3E}">
+        <p14:creationId xmlns:p14="http://schemas.microsoft.com/office/powerpoint/2010/main" val="2063705376"/>
+      </p:ext>
+    </p:extLst>
+  </p:cSld>
+  <p:clrMapOvr>
+    <a:masterClrMapping/>
+  </p:clrMapOvr>
+</p:sld>
+</file>
+
+<file path=ppt/slides/slide6.xml><?xml version="1.0" encoding="utf-8"?>
+<p:sld xmlns:a="http://schemas.openxmlformats.org/drawingml/2006/main" xmlns:r="http://schemas.openxmlformats.org/officeDocument/2006/relationships" xmlns:p="http://schemas.openxmlformats.org/presentationml/2006/main">
+  <p:cSld>
+    <p:spTree>
+      <p:nvGrpSpPr>
+        <p:cNvPr id="1" name=""/>
+        <p:cNvGrpSpPr/>
+        <p:nvPr/>
+      </p:nvGrpSpPr>
+      <p:grpSpPr>
+        <a:xfrm>
+          <a:off x="0" y="0"/>
+          <a:ext cx="0" cy="0"/>
+          <a:chOff x="0" y="0"/>
+          <a:chExt cx="0" cy="0"/>
+        </a:xfrm>
+      </p:grpSpPr>
+      <p:sp>
+        <p:nvSpPr>
+          <p:cNvPr id="2" name="Título 1">
+            <a:extLst>
+              <a:ext uri="{FF2B5EF4-FFF2-40B4-BE49-F238E27FC236}">
+                <a16:creationId xmlns:a16="http://schemas.microsoft.com/office/drawing/2014/main" id="{D75BC9C6-4E63-4EAD-9CCE-25F0A1F24C9A}"/>
+              </a:ext>
+            </a:extLst>
+          </p:cNvPr>
+          <p:cNvSpPr>
+            <a:spLocks noGrp="1"/>
+          </p:cNvSpPr>
+          <p:nvPr>
+            <p:ph type="title"/>
+          </p:nvPr>
+        </p:nvSpPr>
+        <p:spPr/>
+        <p:txBody>
+          <a:bodyPr/>
+          <a:lstStyle/>
+          <a:p>
+            <a:r>
+              <a:rPr lang="pt-BR" dirty="0"/>
               <a:t>Arquitetura</a:t>
             </a:r>
           </a:p>
@@ -4298,7 +4662,7 @@
 </p:sld>
 </file>
 
-<file path=ppt/slides/slide5.xml><?xml version="1.0" encoding="utf-8"?>
+<file path=ppt/slides/slide7.xml><?xml version="1.0" encoding="utf-8"?>
 <p:sld xmlns:a="http://schemas.openxmlformats.org/drawingml/2006/main" xmlns:r="http://schemas.openxmlformats.org/officeDocument/2006/relationships" xmlns:p="http://schemas.openxmlformats.org/presentationml/2006/main">
   <p:cSld>
     <p:spTree>
@@ -4451,7 +4815,7 @@
 </p:sld>
 </file>
 
-<file path=ppt/slides/slide6.xml><?xml version="1.0" encoding="utf-8"?>
+<file path=ppt/slides/slide8.xml><?xml version="1.0" encoding="utf-8"?>
 <p:sld xmlns:a="http://schemas.openxmlformats.org/drawingml/2006/main" xmlns:r="http://schemas.openxmlformats.org/officeDocument/2006/relationships" xmlns:p="http://schemas.openxmlformats.org/presentationml/2006/main">
   <p:cSld>
     <p:spTree>
@@ -4604,7 +4968,7 @@
 </p:sld>
 </file>
 
-<file path=ppt/slides/slide7.xml><?xml version="1.0" encoding="utf-8"?>
+<file path=ppt/slides/slide9.xml><?xml version="1.0" encoding="utf-8"?>
 <p:sld xmlns:a="http://schemas.openxmlformats.org/drawingml/2006/main" xmlns:r="http://schemas.openxmlformats.org/officeDocument/2006/relationships" xmlns:p="http://schemas.openxmlformats.org/presentationml/2006/main">
   <p:cSld>
     <p:spTree>
